--- a/presentation/Ansible for Windows and Azure.pptx
+++ b/presentation/Ansible for Windows and Azure.pptx
@@ -5,13 +5,13 @@
     <p:sldMasterId id="2147483660" r:id="rId1"/>
   </p:sldMasterIdLst>
   <p:notesMasterIdLst>
-    <p:notesMasterId r:id="rId43"/>
+    <p:notesMasterId r:id="rId45"/>
   </p:notesMasterIdLst>
   <p:sldIdLst>
     <p:sldId id="256" r:id="rId2"/>
-    <p:sldId id="257" r:id="rId3"/>
-    <p:sldId id="258" r:id="rId4"/>
-    <p:sldId id="304" r:id="rId5"/>
+    <p:sldId id="258" r:id="rId3"/>
+    <p:sldId id="304" r:id="rId4"/>
+    <p:sldId id="257" r:id="rId5"/>
     <p:sldId id="278" r:id="rId6"/>
     <p:sldId id="259" r:id="rId7"/>
     <p:sldId id="289" r:id="rId8"/>
@@ -44,11 +44,13 @@
     <p:sldId id="308" r:id="rId35"/>
     <p:sldId id="290" r:id="rId36"/>
     <p:sldId id="311" r:id="rId37"/>
-    <p:sldId id="312" r:id="rId38"/>
-    <p:sldId id="313" r:id="rId39"/>
-    <p:sldId id="314" r:id="rId40"/>
-    <p:sldId id="286" r:id="rId41"/>
-    <p:sldId id="287" r:id="rId42"/>
+    <p:sldId id="313" r:id="rId38"/>
+    <p:sldId id="314" r:id="rId39"/>
+    <p:sldId id="316" r:id="rId40"/>
+    <p:sldId id="312" r:id="rId41"/>
+    <p:sldId id="317" r:id="rId42"/>
+    <p:sldId id="286" r:id="rId43"/>
+    <p:sldId id="287" r:id="rId44"/>
   </p:sldIdLst>
   <p:sldSz cx="12192000" cy="6858000"/>
   <p:notesSz cx="6858000" cy="9144000"/>
@@ -241,7 +243,7 @@
           <a:p>
             <a:fld id="{7C07E295-FCD0-4D44-A623-0109822EB7BA}" type="datetimeFigureOut">
               <a:rPr lang="en-US"/>
-              <a:t>10/25/2017</a:t>
+              <a:t>10/26/2017</a:t>
             </a:fld>
             <a:endParaRPr lang="en-US"/>
           </a:p>
@@ -582,7 +584,7 @@
     </p:spTree>
     <p:extLst>
       <p:ext uri="{BB962C8B-B14F-4D97-AF65-F5344CB8AC3E}">
-        <p14:creationId xmlns:p14="http://schemas.microsoft.com/office/powerpoint/2010/main" val="11074320"/>
+        <p14:creationId xmlns:p14="http://schemas.microsoft.com/office/powerpoint/2010/main" val="717909515"/>
       </p:ext>
     </p:extLst>
   </p:cSld>
@@ -1571,7 +1573,7 @@
     </p:spTree>
     <p:extLst>
       <p:ext uri="{BB962C8B-B14F-4D97-AF65-F5344CB8AC3E}">
-        <p14:creationId xmlns:p14="http://schemas.microsoft.com/office/powerpoint/2010/main" val="717909515"/>
+        <p14:creationId xmlns:p14="http://schemas.microsoft.com/office/powerpoint/2010/main" val="3947782470"/>
       </p:ext>
     </p:extLst>
   </p:cSld>
@@ -2495,7 +2497,7 @@
     </p:spTree>
     <p:extLst>
       <p:ext uri="{BB962C8B-B14F-4D97-AF65-F5344CB8AC3E}">
-        <p14:creationId xmlns:p14="http://schemas.microsoft.com/office/powerpoint/2010/main" val="3947782470"/>
+        <p14:creationId xmlns:p14="http://schemas.microsoft.com/office/powerpoint/2010/main" val="11074320"/>
       </p:ext>
     </p:extLst>
   </p:cSld>
@@ -3083,7 +3085,7 @@
     </p:spTree>
     <p:extLst>
       <p:ext uri="{BB962C8B-B14F-4D97-AF65-F5344CB8AC3E}">
-        <p14:creationId xmlns:p14="http://schemas.microsoft.com/office/powerpoint/2010/main" val="618482294"/>
+        <p14:creationId xmlns:p14="http://schemas.microsoft.com/office/powerpoint/2010/main" val="196064882"/>
       </p:ext>
     </p:extLst>
   </p:cSld>
@@ -3167,7 +3169,7 @@
     </p:spTree>
     <p:extLst>
       <p:ext uri="{BB962C8B-B14F-4D97-AF65-F5344CB8AC3E}">
-        <p14:creationId xmlns:p14="http://schemas.microsoft.com/office/powerpoint/2010/main" val="196064882"/>
+        <p14:creationId xmlns:p14="http://schemas.microsoft.com/office/powerpoint/2010/main" val="1107551183"/>
       </p:ext>
     </p:extLst>
   </p:cSld>
@@ -3251,7 +3253,7 @@
     </p:spTree>
     <p:extLst>
       <p:ext uri="{BB962C8B-B14F-4D97-AF65-F5344CB8AC3E}">
-        <p14:creationId xmlns:p14="http://schemas.microsoft.com/office/powerpoint/2010/main" val="1107551183"/>
+        <p14:creationId xmlns:p14="http://schemas.microsoft.com/office/powerpoint/2010/main" val="912553851"/>
       </p:ext>
     </p:extLst>
   </p:cSld>
@@ -3335,7 +3337,7 @@
     </p:spTree>
     <p:extLst>
       <p:ext uri="{BB962C8B-B14F-4D97-AF65-F5344CB8AC3E}">
-        <p14:creationId xmlns:p14="http://schemas.microsoft.com/office/powerpoint/2010/main" val="2670659639"/>
+        <p14:creationId xmlns:p14="http://schemas.microsoft.com/office/powerpoint/2010/main" val="618482294"/>
       </p:ext>
     </p:extLst>
   </p:cSld>
@@ -3495,6 +3497,174 @@
             <a:fld id="{4919A71F-16AD-4A5C-8B78-03B236BAD3AF}" type="slidenum">
               <a:rPr lang="en-US"/>
               <a:t>41</a:t>
+            </a:fld>
+            <a:endParaRPr lang="en-US"/>
+          </a:p>
+        </p:txBody>
+      </p:sp>
+    </p:spTree>
+    <p:extLst>
+      <p:ext uri="{BB962C8B-B14F-4D97-AF65-F5344CB8AC3E}">
+        <p14:creationId xmlns:p14="http://schemas.microsoft.com/office/powerpoint/2010/main" val="3612001167"/>
+      </p:ext>
+    </p:extLst>
+  </p:cSld>
+  <p:clrMapOvr>
+    <a:masterClrMapping/>
+  </p:clrMapOvr>
+</p:notes>
+</file>
+
+<file path=ppt/notesSlides/notesSlide41.xml><?xml version="1.0" encoding="utf-8"?>
+<p:notes xmlns:a="http://schemas.openxmlformats.org/drawingml/2006/main" xmlns:r="http://schemas.openxmlformats.org/officeDocument/2006/relationships" xmlns:p="http://schemas.openxmlformats.org/presentationml/2006/main">
+  <p:cSld>
+    <p:spTree>
+      <p:nvGrpSpPr>
+        <p:cNvPr id="1" name=""/>
+        <p:cNvGrpSpPr/>
+        <p:nvPr/>
+      </p:nvGrpSpPr>
+      <p:grpSpPr>
+        <a:xfrm>
+          <a:off x="0" y="0"/>
+          <a:ext cx="0" cy="0"/>
+          <a:chOff x="0" y="0"/>
+          <a:chExt cx="0" cy="0"/>
+        </a:xfrm>
+      </p:grpSpPr>
+      <p:sp>
+        <p:nvSpPr>
+          <p:cNvPr id="2" name="Slide Image Placeholder 1"/>
+          <p:cNvSpPr>
+            <a:spLocks noGrp="1" noRot="1" noChangeAspect="1"/>
+          </p:cNvSpPr>
+          <p:nvPr>
+            <p:ph type="sldImg"/>
+          </p:nvPr>
+        </p:nvSpPr>
+        <p:spPr/>
+      </p:sp>
+      <p:sp>
+        <p:nvSpPr>
+          <p:cNvPr id="3" name="Notes Placeholder 2"/>
+          <p:cNvSpPr>
+            <a:spLocks noGrp="1"/>
+          </p:cNvSpPr>
+          <p:nvPr>
+            <p:ph type="body" idx="1"/>
+          </p:nvPr>
+        </p:nvSpPr>
+        <p:spPr/>
+        <p:txBody>
+          <a:bodyPr/>
+          <a:lstStyle/>
+          <a:p>
+            <a:endParaRPr lang="en-US"/>
+          </a:p>
+        </p:txBody>
+      </p:sp>
+      <p:sp>
+        <p:nvSpPr>
+          <p:cNvPr id="4" name="Slide Number Placeholder 3"/>
+          <p:cNvSpPr>
+            <a:spLocks noGrp="1"/>
+          </p:cNvSpPr>
+          <p:nvPr>
+            <p:ph type="sldNum" sz="quarter" idx="10"/>
+          </p:nvPr>
+        </p:nvSpPr>
+        <p:spPr/>
+        <p:txBody>
+          <a:bodyPr/>
+          <a:lstStyle/>
+          <a:p>
+            <a:fld id="{4919A71F-16AD-4A5C-8B78-03B236BAD3AF}" type="slidenum">
+              <a:rPr lang="en-US"/>
+              <a:t>42</a:t>
+            </a:fld>
+            <a:endParaRPr lang="en-US"/>
+          </a:p>
+        </p:txBody>
+      </p:sp>
+    </p:spTree>
+    <p:extLst>
+      <p:ext uri="{BB962C8B-B14F-4D97-AF65-F5344CB8AC3E}">
+        <p14:creationId xmlns:p14="http://schemas.microsoft.com/office/powerpoint/2010/main" val="2670659639"/>
+      </p:ext>
+    </p:extLst>
+  </p:cSld>
+  <p:clrMapOvr>
+    <a:masterClrMapping/>
+  </p:clrMapOvr>
+</p:notes>
+</file>
+
+<file path=ppt/notesSlides/notesSlide42.xml><?xml version="1.0" encoding="utf-8"?>
+<p:notes xmlns:a="http://schemas.openxmlformats.org/drawingml/2006/main" xmlns:r="http://schemas.openxmlformats.org/officeDocument/2006/relationships" xmlns:p="http://schemas.openxmlformats.org/presentationml/2006/main">
+  <p:cSld>
+    <p:spTree>
+      <p:nvGrpSpPr>
+        <p:cNvPr id="1" name=""/>
+        <p:cNvGrpSpPr/>
+        <p:nvPr/>
+      </p:nvGrpSpPr>
+      <p:grpSpPr>
+        <a:xfrm>
+          <a:off x="0" y="0"/>
+          <a:ext cx="0" cy="0"/>
+          <a:chOff x="0" y="0"/>
+          <a:chExt cx="0" cy="0"/>
+        </a:xfrm>
+      </p:grpSpPr>
+      <p:sp>
+        <p:nvSpPr>
+          <p:cNvPr id="2" name="Slide Image Placeholder 1"/>
+          <p:cNvSpPr>
+            <a:spLocks noGrp="1" noRot="1" noChangeAspect="1"/>
+          </p:cNvSpPr>
+          <p:nvPr>
+            <p:ph type="sldImg"/>
+          </p:nvPr>
+        </p:nvSpPr>
+        <p:spPr/>
+      </p:sp>
+      <p:sp>
+        <p:nvSpPr>
+          <p:cNvPr id="3" name="Notes Placeholder 2"/>
+          <p:cNvSpPr>
+            <a:spLocks noGrp="1"/>
+          </p:cNvSpPr>
+          <p:nvPr>
+            <p:ph type="body" idx="1"/>
+          </p:nvPr>
+        </p:nvSpPr>
+        <p:spPr/>
+        <p:txBody>
+          <a:bodyPr/>
+          <a:lstStyle/>
+          <a:p>
+            <a:endParaRPr lang="en-US"/>
+          </a:p>
+        </p:txBody>
+      </p:sp>
+      <p:sp>
+        <p:nvSpPr>
+          <p:cNvPr id="4" name="Slide Number Placeholder 3"/>
+          <p:cNvSpPr>
+            <a:spLocks noGrp="1"/>
+          </p:cNvSpPr>
+          <p:nvPr>
+            <p:ph type="sldNum" sz="quarter" idx="10"/>
+          </p:nvPr>
+        </p:nvSpPr>
+        <p:spPr/>
+        <p:txBody>
+          <a:bodyPr/>
+          <a:lstStyle/>
+          <a:p>
+            <a:fld id="{4919A71F-16AD-4A5C-8B78-03B236BAD3AF}" type="slidenum">
+              <a:rPr lang="en-US"/>
+              <a:t>43</a:t>
             </a:fld>
             <a:endParaRPr lang="en-US"/>
           </a:p>
@@ -25961,64 +26131,32 @@
             <a:pPr marL="455930" indent="-455930"/>
             <a:r>
               <a:rPr lang="en-US" sz="2400" dirty="0"/>
-              <a:t>What is Ansible?</a:t>
-            </a:r>
-            <a:endParaRPr lang="en-US" dirty="0"/>
+              <a:t>Introduce Ansible for Azure</a:t>
+            </a:r>
           </a:p>
           <a:p>
             <a:pPr marL="455930" indent="-455930"/>
             <a:r>
               <a:rPr lang="en-US" sz="2400" dirty="0"/>
-              <a:t>Why Ansible for Windows?</a:t>
-            </a:r>
+              <a:t>Relieve fears about using Ansible with Windows</a:t>
+            </a:r>
+            <a:endParaRPr dirty="0">
+              <a:solidFill>
+                <a:schemeClr val="tx1"/>
+              </a:solidFill>
+            </a:endParaRPr>
           </a:p>
           <a:p>
             <a:pPr marL="455930" indent="-455930"/>
             <a:r>
               <a:rPr lang="en-US" sz="2400" dirty="0"/>
-              <a:t>Problems with Ansible and Windows</a:t>
-            </a:r>
-          </a:p>
-          <a:p>
-            <a:pPr marL="455930" indent="-455930"/>
-            <a:r>
-              <a:rPr lang="en-US" sz="2400" dirty="0"/>
-              <a:t>Preparing Control Machine</a:t>
-            </a:r>
-          </a:p>
-          <a:p>
-            <a:pPr marL="455930" indent="-455930"/>
-            <a:r>
-              <a:rPr lang="en-US" sz="2400" dirty="0"/>
-              <a:t>Preparing Target Host</a:t>
-            </a:r>
-          </a:p>
-          <a:p>
-            <a:pPr marL="455930" indent="-455930"/>
-            <a:r>
-              <a:rPr lang="en-US" sz="2400" dirty="0"/>
-              <a:t>Authenticating to Windows</a:t>
-            </a:r>
-          </a:p>
-          <a:p>
-            <a:pPr marL="455930" indent="-455930"/>
-            <a:r>
-              <a:rPr lang="en-US" sz="2400" dirty="0"/>
-              <a:t>Useful Ansible Windows Modules</a:t>
+              <a:t>Encourage exploration beyond this presentation</a:t>
             </a:r>
           </a:p>
           <a:p>
             <a:pPr marL="455930" indent="-455930"/>
             <a:endParaRPr lang="en-US" sz="2400" dirty="0"/>
           </a:p>
-          <a:p>
-            <a:pPr marL="456565" indent="-456565"/>
-            <a:endParaRPr lang="en-US" dirty="0"/>
-          </a:p>
-          <a:p>
-            <a:pPr marL="456565" indent="-456565"/>
-            <a:endParaRPr lang="en-US" dirty="0"/>
-          </a:p>
         </p:txBody>
       </p:sp>
       <p:sp>
@@ -26037,8 +26175,8 @@
           <a:lstStyle/>
           <a:p>
             <a:r>
-              <a:rPr lang="en-US"/>
-              <a:t>Overview</a:t>
+              <a:rPr lang="en-US" dirty="0"/>
+              <a:t>Goals</a:t>
             </a:r>
           </a:p>
         </p:txBody>
@@ -26064,13 +26202,18 @@
               <a:rPr lang="en-US"/>
               <a:t>Ansible for Windows and Azure</a:t>
             </a:r>
+            <a:endParaRPr lang="en-US">
+              <a:solidFill>
+                <a:schemeClr val="tx1"/>
+              </a:solidFill>
+            </a:endParaRPr>
           </a:p>
         </p:txBody>
       </p:sp>
     </p:spTree>
     <p:extLst>
       <p:ext uri="{BB962C8B-B14F-4D97-AF65-F5344CB8AC3E}">
-        <p14:creationId xmlns:p14="http://schemas.microsoft.com/office/powerpoint/2010/main" val="1214756761"/>
+        <p14:creationId xmlns:p14="http://schemas.microsoft.com/office/powerpoint/2010/main" val="1369972190"/>
       </p:ext>
     </p:extLst>
   </p:cSld>
@@ -27581,7 +27724,7 @@
             </a:r>
             <a:r>
               <a:rPr lang="en-US" sz="2400" dirty="0"/>
-              <a:t> (Windows)</a:t>
+              <a:t> (Windows) with port 5986 exposed to control machine</a:t>
             </a:r>
             <a:br>
               <a:rPr lang="en-US" sz="2400" dirty="0"/>
@@ -27770,32 +27913,56 @@
             <a:pPr marL="455930" indent="-455930"/>
             <a:r>
               <a:rPr lang="en-US" sz="2400" dirty="0"/>
-              <a:t>Introduce Ansible for Azure</a:t>
-            </a:r>
+              <a:t>You’re somewhat familiar with Ansible, or similar tool</a:t>
+            </a:r>
+          </a:p>
+          <a:p>
+            <a:pPr marL="989316" lvl="1" indent="-455930"/>
+            <a:r>
+              <a:rPr lang="en-US" sz="2267" dirty="0"/>
+              <a:t>Ansible Fundamentals: </a:t>
+            </a:r>
+            <a:r>
+              <a:rPr lang="en-US" sz="2267" dirty="0">
+                <a:hlinkClick r:id="rId3"/>
+              </a:rPr>
+              <a:t>https://youtu.be/_arWs7q8kAo</a:t>
+            </a:r>
+            <a:r>
+              <a:rPr lang="en-US" sz="2267" dirty="0"/>
+              <a:t> </a:t>
+            </a:r>
+            <a:br>
+              <a:rPr lang="en-US" sz="2267" dirty="0"/>
+            </a:br>
+            <a:endParaRPr lang="en-US" sz="2267" dirty="0"/>
           </a:p>
           <a:p>
             <a:pPr marL="455930" indent="-455930"/>
             <a:r>
               <a:rPr lang="en-US" sz="2400" dirty="0"/>
-              <a:t>Relieve fears about using Ansible with Windows</a:t>
-            </a:r>
-            <a:endParaRPr dirty="0">
-              <a:solidFill>
-                <a:schemeClr val="tx1"/>
-              </a:solidFill>
-            </a:endParaRPr>
-          </a:p>
-          <a:p>
-            <a:pPr marL="455930" indent="-455930"/>
-            <a:r>
-              <a:rPr lang="en-US" sz="2400" dirty="0"/>
-              <a:t>Encourage exploration beyond this presentation</a:t>
+              <a:t>You’ve worked with Windows Servers</a:t>
             </a:r>
           </a:p>
           <a:p>
             <a:pPr marL="455930" indent="-455930"/>
             <a:endParaRPr lang="en-US" sz="2400" dirty="0"/>
           </a:p>
+          <a:p>
+            <a:pPr marL="455930" indent="-455930"/>
+            <a:r>
+              <a:rPr lang="en-US" sz="2400" dirty="0"/>
+              <a:t>You’re interested in DevOps</a:t>
+            </a:r>
+          </a:p>
+          <a:p>
+            <a:pPr marL="455930" indent="-455930"/>
+            <a:endParaRPr lang="en-US" sz="2400" dirty="0"/>
+          </a:p>
+          <a:p>
+            <a:pPr marL="455930" indent="-455930"/>
+            <a:endParaRPr lang="en-US" sz="2400" dirty="0"/>
+          </a:p>
         </p:txBody>
       </p:sp>
       <p:sp>
@@ -27815,7 +27982,7 @@
           <a:p>
             <a:r>
               <a:rPr lang="en-US" dirty="0"/>
-              <a:t>Goals</a:t>
+              <a:t>Target Audience</a:t>
             </a:r>
           </a:p>
         </p:txBody>
@@ -27852,7 +28019,7 @@
     </p:spTree>
     <p:extLst>
       <p:ext uri="{BB962C8B-B14F-4D97-AF65-F5344CB8AC3E}">
-        <p14:creationId xmlns:p14="http://schemas.microsoft.com/office/powerpoint/2010/main" val="1369972190"/>
+        <p14:creationId xmlns:p14="http://schemas.microsoft.com/office/powerpoint/2010/main" val="427820083"/>
       </p:ext>
     </p:extLst>
   </p:cSld>
@@ -28822,28 +28989,7 @@
             <a:pPr marL="419099" indent="-342900"/>
             <a:r>
               <a:rPr lang="en-US" sz="2250" dirty="0"/>
-              <a:t>Standup a Domain Controller</a:t>
-            </a:r>
-          </a:p>
-          <a:p>
-            <a:pPr marL="76199" indent="0">
-              <a:buNone/>
-            </a:pPr>
-            <a:endParaRPr lang="en-US" sz="2250" dirty="0"/>
-          </a:p>
-          <a:p>
-            <a:pPr marL="419099" indent="-342900"/>
-            <a:r>
-              <a:rPr lang="en-US" sz="2250" dirty="0"/>
-              <a:t>Does not work (in current 2.4 release) on a DC in a </a:t>
-            </a:r>
-            <a:r>
-              <a:rPr lang="en-US" sz="2250" i="1" dirty="0"/>
-              <a:t>new </a:t>
-            </a:r>
-            <a:r>
-              <a:rPr lang="en-US" sz="2250" dirty="0"/>
-              <a:t>forest</a:t>
+              <a:t>Add or remove a binary from the Windows System Path</a:t>
             </a:r>
           </a:p>
         </p:txBody>
@@ -28865,7 +29011,7 @@
           <a:p>
             <a:r>
               <a:rPr lang="en-US" dirty="0" err="1"/>
-              <a:t>win_domain_controller</a:t>
+              <a:t>win_path</a:t>
             </a:r>
             <a:endParaRPr lang="en-US" dirty="0"/>
           </a:p>
@@ -28903,7 +29049,7 @@
     </p:spTree>
     <p:extLst>
       <p:ext uri="{BB962C8B-B14F-4D97-AF65-F5344CB8AC3E}">
-        <p14:creationId xmlns:p14="http://schemas.microsoft.com/office/powerpoint/2010/main" val="2851857447"/>
+        <p14:creationId xmlns:p14="http://schemas.microsoft.com/office/powerpoint/2010/main" val="3594955212"/>
       </p:ext>
     </p:extLst>
   </p:cSld>
@@ -28953,7 +29099,18 @@
             <a:pPr marL="419099" indent="-342900"/>
             <a:r>
               <a:rPr lang="en-US" sz="2250" dirty="0"/>
-              <a:t>Add or remove a binary from the Windows System Path</a:t>
+              <a:t>Chocolatey is a package manager for Windows</a:t>
+            </a:r>
+            <a:br>
+              <a:rPr lang="en-US" sz="2250" dirty="0"/>
+            </a:br>
+            <a:endParaRPr lang="en-US" sz="2250" dirty="0"/>
+          </a:p>
+          <a:p>
+            <a:pPr marL="419099" indent="-342900"/>
+            <a:r>
+              <a:rPr lang="en-US" sz="2250" dirty="0"/>
+              <a:t>Module will install Chocolatey on first run</a:t>
             </a:r>
           </a:p>
         </p:txBody>
@@ -28975,7 +29132,7 @@
           <a:p>
             <a:r>
               <a:rPr lang="en-US" dirty="0" err="1"/>
-              <a:t>win_path</a:t>
+              <a:t>win_chocolatey</a:t>
             </a:r>
             <a:endParaRPr lang="en-US" dirty="0"/>
           </a:p>
@@ -29013,7 +29170,7 @@
     </p:spTree>
     <p:extLst>
       <p:ext uri="{BB962C8B-B14F-4D97-AF65-F5344CB8AC3E}">
-        <p14:creationId xmlns:p14="http://schemas.microsoft.com/office/powerpoint/2010/main" val="3594955212"/>
+        <p14:creationId xmlns:p14="http://schemas.microsoft.com/office/powerpoint/2010/main" val="3400695770"/>
       </p:ext>
     </p:extLst>
   </p:cSld>
@@ -29063,7 +29220,11 @@
             <a:pPr marL="419099" indent="-342900"/>
             <a:r>
               <a:rPr lang="en-US" sz="2250" dirty="0"/>
-              <a:t>Chocolatey is a package manager for Windows</a:t>
+              <a:t>Allows you to run interactive (with UI) sessions over </a:t>
+            </a:r>
+            <a:r>
+              <a:rPr lang="en-US" sz="2250" dirty="0" err="1"/>
+              <a:t>WinRM</a:t>
             </a:r>
             <a:br>
               <a:rPr lang="en-US" sz="2250" dirty="0"/>
@@ -29074,7 +29235,18 @@
             <a:pPr marL="419099" indent="-342900"/>
             <a:r>
               <a:rPr lang="en-US" sz="2250" dirty="0"/>
-              <a:t>Module will install Chocolatey on first run</a:t>
+              <a:t>Can run on local or remote computers</a:t>
+            </a:r>
+            <a:br>
+              <a:rPr lang="en-US" sz="2250" dirty="0"/>
+            </a:br>
+            <a:endParaRPr lang="en-US" sz="2250" dirty="0"/>
+          </a:p>
+          <a:p>
+            <a:pPr marL="419099" indent="-342900"/>
+            <a:r>
+              <a:rPr lang="en-US" sz="2250" dirty="0"/>
+              <a:t>Used commonly with legacy applications you want to automate</a:t>
             </a:r>
           </a:p>
         </p:txBody>
@@ -29096,7 +29268,7 @@
           <a:p>
             <a:r>
               <a:rPr lang="en-US" dirty="0" err="1"/>
-              <a:t>win_chocolatey</a:t>
+              <a:t>win_psexec</a:t>
             </a:r>
             <a:endParaRPr lang="en-US" dirty="0"/>
           </a:p>
@@ -29134,7 +29306,7 @@
     </p:spTree>
     <p:extLst>
       <p:ext uri="{BB962C8B-B14F-4D97-AF65-F5344CB8AC3E}">
-        <p14:creationId xmlns:p14="http://schemas.microsoft.com/office/powerpoint/2010/main" val="3400695770"/>
+        <p14:creationId xmlns:p14="http://schemas.microsoft.com/office/powerpoint/2010/main" val="1244957789"/>
       </p:ext>
     </p:extLst>
   </p:cSld>
@@ -29184,35 +29356,50 @@
             <a:pPr marL="455930" indent="-455930"/>
             <a:r>
               <a:rPr lang="en-US" sz="2400" dirty="0"/>
-              <a:t>You’re somewhat familiar with Ansible, or similar tool</a:t>
-            </a:r>
-          </a:p>
-          <a:p>
-            <a:pPr marL="989316" lvl="1" indent="-455930"/>
-            <a:r>
-              <a:rPr lang="en-US" sz="2267" dirty="0"/>
-              <a:t>Ansible Fundamentals: </a:t>
-            </a:r>
-            <a:r>
-              <a:rPr lang="en-US" sz="2267" dirty="0">
-                <a:hlinkClick r:id="rId3"/>
-              </a:rPr>
-              <a:t>https://youtu.be/_arWs7q8kAo</a:t>
-            </a:r>
-            <a:r>
-              <a:rPr lang="en-US" sz="2267" dirty="0"/>
-              <a:t> </a:t>
-            </a:r>
-            <a:br>
-              <a:rPr lang="en-US" sz="2267" dirty="0"/>
-            </a:br>
-            <a:endParaRPr lang="en-US" sz="2267" dirty="0"/>
+              <a:t>What is Ansible?</a:t>
+            </a:r>
+            <a:endParaRPr lang="en-US" dirty="0"/>
           </a:p>
           <a:p>
             <a:pPr marL="455930" indent="-455930"/>
             <a:r>
               <a:rPr lang="en-US" sz="2400" dirty="0"/>
-              <a:t>You’ve worked with Windows Servers</a:t>
+              <a:t>Why Ansible for Windows?</a:t>
+            </a:r>
+          </a:p>
+          <a:p>
+            <a:pPr marL="455930" indent="-455930"/>
+            <a:r>
+              <a:rPr lang="en-US" sz="2400" dirty="0"/>
+              <a:t>Problems with Ansible and Windows</a:t>
+            </a:r>
+          </a:p>
+          <a:p>
+            <a:pPr marL="455930" indent="-455930"/>
+            <a:r>
+              <a:rPr lang="en-US" sz="2400" dirty="0"/>
+              <a:t>Preparing Control Machine</a:t>
+            </a:r>
+          </a:p>
+          <a:p>
+            <a:pPr marL="455930" indent="-455930"/>
+            <a:r>
+              <a:rPr lang="en-US" sz="2400" dirty="0"/>
+              <a:t>Preparing Target Host</a:t>
+            </a:r>
+          </a:p>
+          <a:p>
+            <a:pPr marL="455930" indent="-455930"/>
+            <a:r>
+              <a:rPr lang="en-US" sz="2400" dirty="0"/>
+              <a:t>Authenticating to Windows</a:t>
+            </a:r>
+          </a:p>
+          <a:p>
+            <a:pPr marL="455930" indent="-455930"/>
+            <a:r>
+              <a:rPr lang="en-US" sz="2400" dirty="0"/>
+              <a:t>Useful Ansible Windows Modules</a:t>
             </a:r>
           </a:p>
           <a:p>
@@ -29220,19 +29407,12 @@
             <a:endParaRPr lang="en-US" sz="2400" dirty="0"/>
           </a:p>
           <a:p>
-            <a:pPr marL="455930" indent="-455930"/>
-            <a:r>
-              <a:rPr lang="en-US" sz="2400" dirty="0"/>
-              <a:t>You’re interested in DevOps</a:t>
-            </a:r>
-          </a:p>
-          <a:p>
-            <a:pPr marL="455930" indent="-455930"/>
-            <a:endParaRPr lang="en-US" sz="2400" dirty="0"/>
-          </a:p>
-          <a:p>
-            <a:pPr marL="455930" indent="-455930"/>
-            <a:endParaRPr lang="en-US" sz="2400" dirty="0"/>
+            <a:pPr marL="456565" indent="-456565"/>
+            <a:endParaRPr lang="en-US" dirty="0"/>
+          </a:p>
+          <a:p>
+            <a:pPr marL="456565" indent="-456565"/>
+            <a:endParaRPr lang="en-US" dirty="0"/>
           </a:p>
         </p:txBody>
       </p:sp>
@@ -29252,8 +29432,8 @@
           <a:lstStyle/>
           <a:p>
             <a:r>
-              <a:rPr lang="en-US" dirty="0"/>
-              <a:t>Target Audience</a:t>
+              <a:rPr lang="en-US"/>
+              <a:t>Overview</a:t>
             </a:r>
           </a:p>
         </p:txBody>
@@ -29279,18 +29459,13 @@
               <a:rPr lang="en-US"/>
               <a:t>Ansible for Windows and Azure</a:t>
             </a:r>
-            <a:endParaRPr lang="en-US">
-              <a:solidFill>
-                <a:schemeClr val="tx1"/>
-              </a:solidFill>
-            </a:endParaRPr>
           </a:p>
         </p:txBody>
       </p:sp>
     </p:spTree>
     <p:extLst>
       <p:ext uri="{BB962C8B-B14F-4D97-AF65-F5344CB8AC3E}">
-        <p14:creationId xmlns:p14="http://schemas.microsoft.com/office/powerpoint/2010/main" val="427820083"/>
+        <p14:creationId xmlns:p14="http://schemas.microsoft.com/office/powerpoint/2010/main" val="1214756761"/>
       </p:ext>
     </p:extLst>
   </p:cSld>
@@ -29337,6 +29512,265 @@
           </a:bodyPr>
           <a:lstStyle/>
           <a:p>
+            <a:pPr marL="419099" indent="-342900"/>
+            <a:r>
+              <a:rPr lang="en-US" sz="2250" dirty="0"/>
+              <a:t>Standup a Domain Controller</a:t>
+            </a:r>
+          </a:p>
+          <a:p>
+            <a:pPr marL="76199" indent="0">
+              <a:buNone/>
+            </a:pPr>
+            <a:endParaRPr lang="en-US" sz="2250" dirty="0"/>
+          </a:p>
+          <a:p>
+            <a:pPr marL="419099" indent="-342900"/>
+            <a:r>
+              <a:rPr lang="en-US" sz="2250" dirty="0"/>
+              <a:t>Does not work (in current 2.4 release) on a DC in a </a:t>
+            </a:r>
+            <a:r>
+              <a:rPr lang="en-US" sz="2250" i="1" dirty="0"/>
+              <a:t>new </a:t>
+            </a:r>
+            <a:r>
+              <a:rPr lang="en-US" sz="2250" dirty="0"/>
+              <a:t>forest</a:t>
+            </a:r>
+          </a:p>
+        </p:txBody>
+      </p:sp>
+      <p:sp>
+        <p:nvSpPr>
+          <p:cNvPr id="3" name="Title 2"/>
+          <p:cNvSpPr>
+            <a:spLocks noGrp="1"/>
+          </p:cNvSpPr>
+          <p:nvPr>
+            <p:ph type="title"/>
+          </p:nvPr>
+        </p:nvSpPr>
+        <p:spPr/>
+        <p:txBody>
+          <a:bodyPr/>
+          <a:lstStyle/>
+          <a:p>
+            <a:r>
+              <a:rPr lang="en-US" dirty="0" err="1"/>
+              <a:t>win_domain_controller</a:t>
+            </a:r>
+            <a:endParaRPr lang="en-US" dirty="0"/>
+          </a:p>
+        </p:txBody>
+      </p:sp>
+      <p:sp>
+        <p:nvSpPr>
+          <p:cNvPr id="4" name="Text Placeholder 3"/>
+          <p:cNvSpPr>
+            <a:spLocks noGrp="1"/>
+          </p:cNvSpPr>
+          <p:nvPr>
+            <p:ph type="body" sz="quarter" idx="24"/>
+          </p:nvPr>
+        </p:nvSpPr>
+        <p:spPr/>
+        <p:txBody>
+          <a:bodyPr vert="horz" lIns="91440" tIns="45720" rIns="91440" bIns="45720" rtlCol="0" anchor="t">
+            <a:noAutofit/>
+          </a:bodyPr>
+          <a:lstStyle/>
+          <a:p>
+            <a:r>
+              <a:rPr lang="en-US" dirty="0"/>
+              <a:t>Ansible for Windows and Azure</a:t>
+            </a:r>
+            <a:endParaRPr lang="en-US" dirty="0">
+              <a:solidFill>
+                <a:schemeClr val="tx1"/>
+              </a:solidFill>
+            </a:endParaRPr>
+          </a:p>
+        </p:txBody>
+      </p:sp>
+    </p:spTree>
+    <p:extLst>
+      <p:ext uri="{BB962C8B-B14F-4D97-AF65-F5344CB8AC3E}">
+        <p14:creationId xmlns:p14="http://schemas.microsoft.com/office/powerpoint/2010/main" val="2851857447"/>
+      </p:ext>
+    </p:extLst>
+  </p:cSld>
+  <p:clrMapOvr>
+    <a:masterClrMapping/>
+  </p:clrMapOvr>
+  <p:transition spd="slow">
+    <p:pull/>
+  </p:transition>
+</p:sld>
+</file>
+
+<file path=ppt/slides/slide41.xml><?xml version="1.0" encoding="utf-8"?>
+<p:sld xmlns:a="http://schemas.openxmlformats.org/drawingml/2006/main" xmlns:r="http://schemas.openxmlformats.org/officeDocument/2006/relationships" xmlns:p="http://schemas.openxmlformats.org/presentationml/2006/main">
+  <p:cSld>
+    <p:spTree>
+      <p:nvGrpSpPr>
+        <p:cNvPr id="1" name=""/>
+        <p:cNvGrpSpPr/>
+        <p:nvPr/>
+      </p:nvGrpSpPr>
+      <p:grpSpPr>
+        <a:xfrm>
+          <a:off x="0" y="0"/>
+          <a:ext cx="0" cy="0"/>
+          <a:chOff x="0" y="0"/>
+          <a:chExt cx="0" cy="0"/>
+        </a:xfrm>
+      </p:grpSpPr>
+      <p:sp>
+        <p:nvSpPr>
+          <p:cNvPr id="2" name="Content Placeholder 1"/>
+          <p:cNvSpPr>
+            <a:spLocks noGrp="1"/>
+          </p:cNvSpPr>
+          <p:nvPr>
+            <p:ph idx="1"/>
+          </p:nvPr>
+        </p:nvSpPr>
+        <p:spPr/>
+        <p:txBody>
+          <a:bodyPr vert="horz" lIns="91440" tIns="45720" rIns="91440" bIns="45720" rtlCol="0" anchor="t">
+            <a:normAutofit/>
+          </a:bodyPr>
+          <a:lstStyle/>
+          <a:p>
+            <a:pPr marL="419099" indent="-342900"/>
+            <a:r>
+              <a:rPr lang="en-US" sz="2250" dirty="0"/>
+              <a:t>Join a target host to a domain (or leave domain)</a:t>
+            </a:r>
+          </a:p>
+          <a:p>
+            <a:pPr marL="76199" indent="0">
+              <a:buNone/>
+            </a:pPr>
+            <a:endParaRPr lang="en-US" sz="2250" dirty="0"/>
+          </a:p>
+          <a:p>
+            <a:pPr marL="419099" indent="-342900"/>
+            <a:r>
+              <a:rPr lang="en-US" sz="2250" dirty="0"/>
+              <a:t>More visible alternative to Azure </a:t>
+            </a:r>
+            <a:r>
+              <a:rPr lang="en-US" sz="2250" dirty="0" err="1"/>
+              <a:t>JsonADDomainExtension</a:t>
+            </a:r>
+            <a:endParaRPr lang="en-US" sz="2250" dirty="0"/>
+          </a:p>
+        </p:txBody>
+      </p:sp>
+      <p:sp>
+        <p:nvSpPr>
+          <p:cNvPr id="3" name="Title 2"/>
+          <p:cNvSpPr>
+            <a:spLocks noGrp="1"/>
+          </p:cNvSpPr>
+          <p:nvPr>
+            <p:ph type="title"/>
+          </p:nvPr>
+        </p:nvSpPr>
+        <p:spPr/>
+        <p:txBody>
+          <a:bodyPr/>
+          <a:lstStyle/>
+          <a:p>
+            <a:r>
+              <a:rPr lang="en-US" dirty="0" err="1"/>
+              <a:t>win_domain_membership</a:t>
+            </a:r>
+            <a:endParaRPr lang="en-US" dirty="0"/>
+          </a:p>
+        </p:txBody>
+      </p:sp>
+      <p:sp>
+        <p:nvSpPr>
+          <p:cNvPr id="4" name="Text Placeholder 3"/>
+          <p:cNvSpPr>
+            <a:spLocks noGrp="1"/>
+          </p:cNvSpPr>
+          <p:nvPr>
+            <p:ph type="body" sz="quarter" idx="24"/>
+          </p:nvPr>
+        </p:nvSpPr>
+        <p:spPr/>
+        <p:txBody>
+          <a:bodyPr vert="horz" lIns="91440" tIns="45720" rIns="91440" bIns="45720" rtlCol="0" anchor="t">
+            <a:noAutofit/>
+          </a:bodyPr>
+          <a:lstStyle/>
+          <a:p>
+            <a:r>
+              <a:rPr lang="en-US" dirty="0"/>
+              <a:t>Ansible for Windows and Azure</a:t>
+            </a:r>
+            <a:endParaRPr lang="en-US" dirty="0">
+              <a:solidFill>
+                <a:schemeClr val="tx1"/>
+              </a:solidFill>
+            </a:endParaRPr>
+          </a:p>
+        </p:txBody>
+      </p:sp>
+    </p:spTree>
+    <p:extLst>
+      <p:ext uri="{BB962C8B-B14F-4D97-AF65-F5344CB8AC3E}">
+        <p14:creationId xmlns:p14="http://schemas.microsoft.com/office/powerpoint/2010/main" val="835141702"/>
+      </p:ext>
+    </p:extLst>
+  </p:cSld>
+  <p:clrMapOvr>
+    <a:masterClrMapping/>
+  </p:clrMapOvr>
+  <p:transition spd="slow">
+    <p:pull/>
+  </p:transition>
+</p:sld>
+</file>
+
+<file path=ppt/slides/slide42.xml><?xml version="1.0" encoding="utf-8"?>
+<p:sld xmlns:a="http://schemas.openxmlformats.org/drawingml/2006/main" xmlns:r="http://schemas.openxmlformats.org/officeDocument/2006/relationships" xmlns:p="http://schemas.openxmlformats.org/presentationml/2006/main">
+  <p:cSld>
+    <p:spTree>
+      <p:nvGrpSpPr>
+        <p:cNvPr id="1" name=""/>
+        <p:cNvGrpSpPr/>
+        <p:nvPr/>
+      </p:nvGrpSpPr>
+      <p:grpSpPr>
+        <a:xfrm>
+          <a:off x="0" y="0"/>
+          <a:ext cx="0" cy="0"/>
+          <a:chOff x="0" y="0"/>
+          <a:chExt cx="0" cy="0"/>
+        </a:xfrm>
+      </p:grpSpPr>
+      <p:sp>
+        <p:nvSpPr>
+          <p:cNvPr id="2" name="Content Placeholder 1"/>
+          <p:cNvSpPr>
+            <a:spLocks noGrp="1"/>
+          </p:cNvSpPr>
+          <p:nvPr>
+            <p:ph idx="1"/>
+          </p:nvPr>
+        </p:nvSpPr>
+        <p:spPr/>
+        <p:txBody>
+          <a:bodyPr vert="horz" lIns="91440" tIns="45720" rIns="91440" bIns="45720" rtlCol="0" anchor="t">
+            <a:normAutofit/>
+          </a:bodyPr>
+          <a:lstStyle/>
+          <a:p>
             <a:r>
               <a:rPr lang="en-US" sz="2400" dirty="0">
                 <a:hlinkClick r:id="rId3"/>
@@ -29432,7 +29866,7 @@
 </p:sld>
 </file>
 
-<file path=ppt/slides/slide41.xml><?xml version="1.0" encoding="utf-8"?>
+<file path=ppt/slides/slide43.xml><?xml version="1.0" encoding="utf-8"?>
 <p:sld xmlns:a="http://schemas.openxmlformats.org/drawingml/2006/main" xmlns:r="http://schemas.openxmlformats.org/officeDocument/2006/relationships" xmlns:p="http://schemas.openxmlformats.org/presentationml/2006/main">
   <p:cSld>
     <p:spTree>
